--- a/Inbox Zero - PMO Learning Session.pptx
+++ b/Inbox Zero - PMO Learning Session.pptx
@@ -5,24 +5,27 @@
     <p:sldMasterId id="2147483648" r:id="rId1"/>
   </p:sldMasterIdLst>
   <p:notesMasterIdLst>
-    <p:notesMasterId r:id="rId17"/>
+    <p:notesMasterId r:id="rId20"/>
   </p:notesMasterIdLst>
   <p:sldIdLst>
     <p:sldId id="257" r:id="rId2"/>
     <p:sldId id="279" r:id="rId3"/>
     <p:sldId id="281" r:id="rId4"/>
-    <p:sldId id="269" r:id="rId5"/>
-    <p:sldId id="282" r:id="rId6"/>
-    <p:sldId id="283" r:id="rId7"/>
-    <p:sldId id="278" r:id="rId8"/>
-    <p:sldId id="280" r:id="rId9"/>
-    <p:sldId id="271" r:id="rId10"/>
-    <p:sldId id="272" r:id="rId11"/>
-    <p:sldId id="273" r:id="rId12"/>
-    <p:sldId id="274" r:id="rId13"/>
-    <p:sldId id="275" r:id="rId14"/>
-    <p:sldId id="276" r:id="rId15"/>
-    <p:sldId id="277" r:id="rId16"/>
+    <p:sldId id="284" r:id="rId5"/>
+    <p:sldId id="283" r:id="rId6"/>
+    <p:sldId id="269" r:id="rId7"/>
+    <p:sldId id="285" r:id="rId8"/>
+    <p:sldId id="282" r:id="rId9"/>
+    <p:sldId id="286" r:id="rId10"/>
+    <p:sldId id="278" r:id="rId11"/>
+    <p:sldId id="280" r:id="rId12"/>
+    <p:sldId id="271" r:id="rId13"/>
+    <p:sldId id="272" r:id="rId14"/>
+    <p:sldId id="273" r:id="rId15"/>
+    <p:sldId id="274" r:id="rId16"/>
+    <p:sldId id="275" r:id="rId17"/>
+    <p:sldId id="276" r:id="rId18"/>
+    <p:sldId id="277" r:id="rId19"/>
   </p:sldIdLst>
   <p:sldSz cx="9144000" cy="6858000" type="screen4x3"/>
   <p:notesSz cx="6858000" cy="9144000"/>
@@ -207,7 +210,7 @@
             <a:fld id="{BBBA65D9-1328-4F13-88F8-CC8EBCCA73B8}" type="datetimeFigureOut">
               <a:rPr lang="en-US" smtClean="0"/>
               <a:pPr/>
-              <a:t>6/17/2011</a:t>
+              <a:t>2/13/2012</a:t>
             </a:fld>
             <a:endParaRPr lang="en-US"/>
           </a:p>
@@ -376,6 +379,11 @@
         </p:txBody>
       </p:sp>
     </p:spTree>
+    <p:extLst>
+      <p:ext uri="{BB962C8B-B14F-4D97-AF65-F5344CB8AC3E}">
+        <p14:creationId xmlns:p14="http://schemas.microsoft.com/office/powerpoint/2010/main" val="532754862"/>
+      </p:ext>
+    </p:extLst>
   </p:cSld>
   <p:clrMap bg1="lt1" tx1="dk1" bg2="lt2" tx2="dk2" accent1="accent1" accent2="accent2" accent3="accent3" accent4="accent4" accent5="accent5" accent6="accent6" hlink="hlink" folHlink="folHlink"/>
   <p:notesStyle>
@@ -725,39 +733,27 @@
           <a:p>
             <a:r>
               <a:rPr lang="en-US" dirty="0" smtClean="0"/>
-              <a:t>Today we have tons</a:t>
+              <a:t>Early</a:t>
             </a:r>
             <a:r>
               <a:rPr lang="en-US" baseline="0" dirty="0" smtClean="0"/>
-              <a:t> of email slamming our inbox everyday.</a:t>
+              <a:t> days of email, it was fun</a:t>
+            </a:r>
+          </a:p>
+          <a:p>
+            <a:r>
+              <a:rPr lang="en-US" baseline="0" dirty="0" smtClean="0"/>
+              <a:t>You connected with a dozen of your friends</a:t>
             </a:r>
           </a:p>
           <a:p>
             <a:endParaRPr lang="en-US" baseline="0" dirty="0" smtClean="0"/>
           </a:p>
           <a:p>
-            <a:pPr marL="0" marR="0" indent="0" algn="l" defTabSz="914400" rtl="0" eaLnBrk="1" fontAlgn="auto" latinLnBrk="0" hangingPunct="1">
-              <a:lnSpc>
-                <a:spcPct val="100000"/>
-              </a:lnSpc>
-              <a:spcBef>
-                <a:spcPts val="0"/>
-              </a:spcBef>
-              <a:spcAft>
-                <a:spcPts val="0"/>
-              </a:spcAft>
-              <a:buClrTx/>
-              <a:buSzTx/>
-              <a:buFontTx/>
-              <a:buNone/>
-              <a:tabLst/>
-              <a:defRPr/>
-            </a:pPr>
             <a:r>
               <a:rPr lang="en-US" baseline="0" dirty="0" smtClean="0"/>
-              <a:t>How many feel they live their life in their inbox?</a:t>
-            </a:r>
-            <a:endParaRPr lang="en-US" dirty="0" smtClean="0"/>
+              <a:t>You didn’t really need a system to keep up with the hand full of emails you would receive</a:t>
+            </a:r>
           </a:p>
           <a:p>
             <a:endParaRPr lang="en-US" baseline="0" dirty="0" smtClean="0"/>
@@ -765,57 +761,9 @@
           <a:p>
             <a:r>
               <a:rPr lang="en-US" baseline="0" dirty="0" smtClean="0"/>
-              <a:t>It is less like a party and more like a work out at the gym.</a:t>
-            </a:r>
-          </a:p>
-          <a:p>
-            <a:endParaRPr lang="en-US" baseline="0" dirty="0" smtClean="0"/>
-          </a:p>
-          <a:p>
-            <a:r>
-              <a:rPr lang="en-US" baseline="0" dirty="0" smtClean="0"/>
-              <a:t>Many have developed ways of handling the large amount of email</a:t>
-            </a:r>
-          </a:p>
-          <a:p>
-            <a:r>
-              <a:rPr lang="en-US" baseline="0" dirty="0" smtClean="0"/>
-              <a:t>	Many are simple to start but grow to the over complicated</a:t>
-            </a:r>
-          </a:p>
-          <a:p>
-            <a:endParaRPr lang="en-US" baseline="0" dirty="0" smtClean="0"/>
-          </a:p>
-          <a:p>
-            <a:r>
-              <a:rPr lang="en-US" sz="1200" b="0" i="0" kern="1200" dirty="0" smtClean="0">
-                <a:solidFill>
-                  <a:schemeClr val="tx1"/>
-                </a:solidFill>
-                <a:latin typeface="+mn-lt"/>
-                <a:ea typeface="+mn-ea"/>
-                <a:cs typeface="+mn-cs"/>
-              </a:rPr>
-              <a:t>Most important assets for Knowledge works is Time &amp; Attention</a:t>
-            </a:r>
-          </a:p>
-          <a:p>
-            <a:r>
-              <a:rPr lang="en-US" sz="1200" b="0" i="0" kern="1200" dirty="0" smtClean="0">
-                <a:solidFill>
-                  <a:schemeClr val="tx1"/>
-                </a:solidFill>
-                <a:latin typeface="+mn-lt"/>
-                <a:ea typeface="+mn-ea"/>
-                <a:cs typeface="+mn-cs"/>
-              </a:rPr>
-              <a:t>Your time is finite, demands on your time are infinite</a:t>
-            </a:r>
-            <a:r>
-              <a:rPr lang="en-US" dirty="0" smtClean="0"/>
-              <a:t> </a:t>
-            </a:r>
-            <a:endParaRPr lang="en-US" baseline="0" dirty="0" smtClean="0"/>
+              <a:t>Somewhere along the way email became the de-facto way knowledge works communicated.</a:t>
+            </a:r>
+            <a:endParaRPr lang="en-US" dirty="0"/>
           </a:p>
         </p:txBody>
       </p:sp>
@@ -892,11 +840,441 @@
         </p:nvSpPr>
         <p:spPr/>
         <p:txBody>
+          <a:bodyPr/>
+          <a:lstStyle/>
+          <a:p>
+            <a:r>
+              <a:rPr lang="en-US" dirty="0" smtClean="0"/>
+              <a:t>Today we have tons</a:t>
+            </a:r>
+            <a:r>
+              <a:rPr lang="en-US" baseline="0" dirty="0" smtClean="0"/>
+              <a:t> of email slamming our inbox everyday.</a:t>
+            </a:r>
+          </a:p>
+          <a:p>
+            <a:endParaRPr lang="en-US" baseline="0" dirty="0" smtClean="0"/>
+          </a:p>
+          <a:p>
+            <a:pPr marL="0" marR="0" indent="0" algn="l" defTabSz="914400" rtl="0" eaLnBrk="1" fontAlgn="auto" latinLnBrk="0" hangingPunct="1">
+              <a:lnSpc>
+                <a:spcPct val="100000"/>
+              </a:lnSpc>
+              <a:spcBef>
+                <a:spcPts val="0"/>
+              </a:spcBef>
+              <a:spcAft>
+                <a:spcPts val="0"/>
+              </a:spcAft>
+              <a:buClrTx/>
+              <a:buSzTx/>
+              <a:buFontTx/>
+              <a:buNone/>
+              <a:tabLst/>
+              <a:defRPr/>
+            </a:pPr>
+            <a:r>
+              <a:rPr lang="en-US" baseline="0" dirty="0" smtClean="0"/>
+              <a:t>How many feel they live their life in their inbox?</a:t>
+            </a:r>
+            <a:endParaRPr lang="en-US" dirty="0" smtClean="0"/>
+          </a:p>
+          <a:p>
+            <a:endParaRPr lang="en-US" baseline="0" dirty="0" smtClean="0"/>
+          </a:p>
+          <a:p>
+            <a:r>
+              <a:rPr lang="en-US" baseline="0" dirty="0" smtClean="0"/>
+              <a:t>It is less like a party and more like a work out at the gym.</a:t>
+            </a:r>
+          </a:p>
+          <a:p>
+            <a:endParaRPr lang="en-US" baseline="0" dirty="0" smtClean="0"/>
+          </a:p>
+        </p:txBody>
+      </p:sp>
+      <p:sp>
+        <p:nvSpPr>
+          <p:cNvPr id="4" name="Slide Number Placeholder 3"/>
+          <p:cNvSpPr>
+            <a:spLocks noGrp="1"/>
+          </p:cNvSpPr>
+          <p:nvPr>
+            <p:ph type="sldNum" sz="quarter" idx="10"/>
+          </p:nvPr>
+        </p:nvSpPr>
+        <p:spPr/>
+        <p:txBody>
+          <a:bodyPr/>
+          <a:lstStyle/>
+          <a:p>
+            <a:fld id="{58F8E9B4-7F8B-4A39-BDD6-3E957F5685AE}" type="slidenum">
+              <a:rPr lang="en-US" smtClean="0"/>
+              <a:pPr/>
+              <a:t>5</a:t>
+            </a:fld>
+            <a:endParaRPr lang="en-US"/>
+          </a:p>
+        </p:txBody>
+      </p:sp>
+    </p:spTree>
+    <p:extLst>
+      <p:ext uri="{BB962C8B-B14F-4D97-AF65-F5344CB8AC3E}">
+        <p14:creationId xmlns:p14="http://schemas.microsoft.com/office/powerpoint/2010/main" val="1518742789"/>
+      </p:ext>
+    </p:extLst>
+  </p:cSld>
+  <p:clrMapOvr>
+    <a:masterClrMapping/>
+  </p:clrMapOvr>
+</p:notes>
+</file>
+
+<file path=ppt/notesSlides/notesSlide5.xml><?xml version="1.0" encoding="utf-8"?>
+<p:notes xmlns:a="http://schemas.openxmlformats.org/drawingml/2006/main" xmlns:r="http://schemas.openxmlformats.org/officeDocument/2006/relationships" xmlns:p="http://schemas.openxmlformats.org/presentationml/2006/main">
+  <p:cSld>
+    <p:spTree>
+      <p:nvGrpSpPr>
+        <p:cNvPr id="1" name=""/>
+        <p:cNvGrpSpPr/>
+        <p:nvPr/>
+      </p:nvGrpSpPr>
+      <p:grpSpPr>
+        <a:xfrm>
+          <a:off x="0" y="0"/>
+          <a:ext cx="0" cy="0"/>
+          <a:chOff x="0" y="0"/>
+          <a:chExt cx="0" cy="0"/>
+        </a:xfrm>
+      </p:grpSpPr>
+      <p:sp>
+        <p:nvSpPr>
+          <p:cNvPr id="2" name="Slide Image Placeholder 1"/>
+          <p:cNvSpPr>
+            <a:spLocks noGrp="1" noRot="1" noChangeAspect="1"/>
+          </p:cNvSpPr>
+          <p:nvPr>
+            <p:ph type="sldImg"/>
+          </p:nvPr>
+        </p:nvSpPr>
+        <p:spPr/>
+      </p:sp>
+      <p:sp>
+        <p:nvSpPr>
+          <p:cNvPr id="3" name="Notes Placeholder 2"/>
+          <p:cNvSpPr>
+            <a:spLocks noGrp="1"/>
+          </p:cNvSpPr>
+          <p:nvPr>
+            <p:ph type="body" idx="1"/>
+          </p:nvPr>
+        </p:nvSpPr>
+        <p:spPr/>
+        <p:txBody>
           <a:bodyPr>
             <a:normAutofit/>
           </a:bodyPr>
           <a:lstStyle/>
           <a:p>
+            <a:r>
+              <a:rPr lang="en-US" baseline="0" dirty="0" smtClean="0"/>
+              <a:t>Many have developed ways of handling the large amount of email</a:t>
+            </a:r>
+          </a:p>
+          <a:p>
+            <a:r>
+              <a:rPr lang="en-US" baseline="0" dirty="0" smtClean="0"/>
+              <a:t>	Many are simple to start but grow to the over complicated</a:t>
+            </a:r>
+          </a:p>
+          <a:p>
+            <a:endParaRPr lang="en-US" baseline="0" dirty="0" smtClean="0"/>
+          </a:p>
+          <a:p>
+            <a:r>
+              <a:rPr lang="en-US" sz="1200" b="0" i="0" kern="1200" dirty="0" smtClean="0">
+                <a:solidFill>
+                  <a:schemeClr val="tx1"/>
+                </a:solidFill>
+                <a:latin typeface="+mn-lt"/>
+                <a:ea typeface="+mn-ea"/>
+                <a:cs typeface="+mn-cs"/>
+              </a:rPr>
+              <a:t>Most important assets for Knowledge works is Time &amp; Attention</a:t>
+            </a:r>
+          </a:p>
+          <a:p>
+            <a:r>
+              <a:rPr lang="en-US" sz="1200" b="0" i="0" kern="1200" dirty="0" smtClean="0">
+                <a:solidFill>
+                  <a:schemeClr val="tx1"/>
+                </a:solidFill>
+                <a:latin typeface="+mn-lt"/>
+                <a:ea typeface="+mn-ea"/>
+                <a:cs typeface="+mn-cs"/>
+              </a:rPr>
+              <a:t>Your time is finite, demands on your time are infinite</a:t>
+            </a:r>
+            <a:r>
+              <a:rPr lang="en-US" dirty="0" smtClean="0"/>
+              <a:t> </a:t>
+            </a:r>
+            <a:endParaRPr lang="en-US" baseline="0" dirty="0" smtClean="0"/>
+          </a:p>
+        </p:txBody>
+      </p:sp>
+      <p:sp>
+        <p:nvSpPr>
+          <p:cNvPr id="4" name="Slide Number Placeholder 3"/>
+          <p:cNvSpPr>
+            <a:spLocks noGrp="1"/>
+          </p:cNvSpPr>
+          <p:nvPr>
+            <p:ph type="sldNum" sz="quarter" idx="10"/>
+          </p:nvPr>
+        </p:nvSpPr>
+        <p:spPr/>
+        <p:txBody>
+          <a:bodyPr/>
+          <a:lstStyle/>
+          <a:p>
+            <a:fld id="{58F8E9B4-7F8B-4A39-BDD6-3E957F5685AE}" type="slidenum">
+              <a:rPr lang="en-US" smtClean="0"/>
+              <a:pPr/>
+              <a:t>6</a:t>
+            </a:fld>
+            <a:endParaRPr lang="en-US"/>
+          </a:p>
+        </p:txBody>
+      </p:sp>
+    </p:spTree>
+  </p:cSld>
+  <p:clrMapOvr>
+    <a:masterClrMapping/>
+  </p:clrMapOvr>
+</p:notes>
+</file>
+
+<file path=ppt/notesSlides/notesSlide6.xml><?xml version="1.0" encoding="utf-8"?>
+<p:notes xmlns:a="http://schemas.openxmlformats.org/drawingml/2006/main" xmlns:r="http://schemas.openxmlformats.org/officeDocument/2006/relationships" xmlns:p="http://schemas.openxmlformats.org/presentationml/2006/main">
+  <p:cSld>
+    <p:spTree>
+      <p:nvGrpSpPr>
+        <p:cNvPr id="1" name=""/>
+        <p:cNvGrpSpPr/>
+        <p:nvPr/>
+      </p:nvGrpSpPr>
+      <p:grpSpPr>
+        <a:xfrm>
+          <a:off x="0" y="0"/>
+          <a:ext cx="0" cy="0"/>
+          <a:chOff x="0" y="0"/>
+          <a:chExt cx="0" cy="0"/>
+        </a:xfrm>
+      </p:grpSpPr>
+      <p:sp>
+        <p:nvSpPr>
+          <p:cNvPr id="2" name="Slide Image Placeholder 1"/>
+          <p:cNvSpPr>
+            <a:spLocks noGrp="1" noRot="1" noChangeAspect="1"/>
+          </p:cNvSpPr>
+          <p:nvPr>
+            <p:ph type="sldImg"/>
+          </p:nvPr>
+        </p:nvSpPr>
+        <p:spPr/>
+      </p:sp>
+      <p:sp>
+        <p:nvSpPr>
+          <p:cNvPr id="3" name="Notes Placeholder 2"/>
+          <p:cNvSpPr>
+            <a:spLocks noGrp="1"/>
+          </p:cNvSpPr>
+          <p:nvPr>
+            <p:ph type="body" idx="1"/>
+          </p:nvPr>
+        </p:nvSpPr>
+        <p:spPr/>
+        <p:txBody>
+          <a:bodyPr>
+            <a:normAutofit/>
+          </a:bodyPr>
+          <a:lstStyle/>
+          <a:p>
+            <a:r>
+              <a:rPr lang="en-US" dirty="0" smtClean="0"/>
+              <a:t>Today we have tons</a:t>
+            </a:r>
+            <a:r>
+              <a:rPr lang="en-US" baseline="0" dirty="0" smtClean="0"/>
+              <a:t> of email slamming our inbox everyday.</a:t>
+            </a:r>
+          </a:p>
+          <a:p>
+            <a:endParaRPr lang="en-US" baseline="0" dirty="0" smtClean="0"/>
+          </a:p>
+          <a:p>
+            <a:pPr marL="0" marR="0" indent="0" algn="l" defTabSz="914400" rtl="0" eaLnBrk="1" fontAlgn="auto" latinLnBrk="0" hangingPunct="1">
+              <a:lnSpc>
+                <a:spcPct val="100000"/>
+              </a:lnSpc>
+              <a:spcBef>
+                <a:spcPts val="0"/>
+              </a:spcBef>
+              <a:spcAft>
+                <a:spcPts val="0"/>
+              </a:spcAft>
+              <a:buClrTx/>
+              <a:buSzTx/>
+              <a:buFontTx/>
+              <a:buNone/>
+              <a:tabLst/>
+              <a:defRPr/>
+            </a:pPr>
+            <a:r>
+              <a:rPr lang="en-US" baseline="0" dirty="0" smtClean="0"/>
+              <a:t>How many feel they live their life in their inbox?</a:t>
+            </a:r>
+            <a:endParaRPr lang="en-US" dirty="0" smtClean="0"/>
+          </a:p>
+          <a:p>
+            <a:endParaRPr lang="en-US" baseline="0" dirty="0" smtClean="0"/>
+          </a:p>
+          <a:p>
+            <a:r>
+              <a:rPr lang="en-US" baseline="0" dirty="0" smtClean="0"/>
+              <a:t>It is less like a party and more like a work out at the gym.</a:t>
+            </a:r>
+          </a:p>
+          <a:p>
+            <a:endParaRPr lang="en-US" baseline="0" dirty="0" smtClean="0"/>
+          </a:p>
+          <a:p>
+            <a:r>
+              <a:rPr lang="en-US" baseline="0" dirty="0" smtClean="0"/>
+              <a:t>Many have developed ways of handling the large amount of email</a:t>
+            </a:r>
+          </a:p>
+          <a:p>
+            <a:r>
+              <a:rPr lang="en-US" baseline="0" dirty="0" smtClean="0"/>
+              <a:t>	Many are simple to start but grow to the over complicated</a:t>
+            </a:r>
+          </a:p>
+          <a:p>
+            <a:endParaRPr lang="en-US" baseline="0" dirty="0" smtClean="0"/>
+          </a:p>
+          <a:p>
+            <a:r>
+              <a:rPr lang="en-US" sz="1200" b="0" i="0" kern="1200" dirty="0" smtClean="0">
+                <a:solidFill>
+                  <a:schemeClr val="tx1"/>
+                </a:solidFill>
+                <a:latin typeface="+mn-lt"/>
+                <a:ea typeface="+mn-ea"/>
+                <a:cs typeface="+mn-cs"/>
+              </a:rPr>
+              <a:t>Most important assets for Knowledge works is Time &amp; Attention</a:t>
+            </a:r>
+          </a:p>
+          <a:p>
+            <a:r>
+              <a:rPr lang="en-US" sz="1200" b="0" i="0" kern="1200" dirty="0" smtClean="0">
+                <a:solidFill>
+                  <a:schemeClr val="tx1"/>
+                </a:solidFill>
+                <a:latin typeface="+mn-lt"/>
+                <a:ea typeface="+mn-ea"/>
+                <a:cs typeface="+mn-cs"/>
+              </a:rPr>
+              <a:t>Your time is finite, demands on your time are infinite</a:t>
+            </a:r>
+            <a:r>
+              <a:rPr lang="en-US" dirty="0" smtClean="0"/>
+              <a:t> </a:t>
+            </a:r>
+            <a:endParaRPr lang="en-US" baseline="0" dirty="0" smtClean="0"/>
+          </a:p>
+        </p:txBody>
+      </p:sp>
+      <p:sp>
+        <p:nvSpPr>
+          <p:cNvPr id="4" name="Slide Number Placeholder 3"/>
+          <p:cNvSpPr>
+            <a:spLocks noGrp="1"/>
+          </p:cNvSpPr>
+          <p:nvPr>
+            <p:ph type="sldNum" sz="quarter" idx="10"/>
+          </p:nvPr>
+        </p:nvSpPr>
+        <p:spPr/>
+        <p:txBody>
+          <a:bodyPr/>
+          <a:lstStyle/>
+          <a:p>
+            <a:fld id="{58F8E9B4-7F8B-4A39-BDD6-3E957F5685AE}" type="slidenum">
+              <a:rPr lang="en-US" smtClean="0"/>
+              <a:pPr/>
+              <a:t>7</a:t>
+            </a:fld>
+            <a:endParaRPr lang="en-US"/>
+          </a:p>
+        </p:txBody>
+      </p:sp>
+    </p:spTree>
+  </p:cSld>
+  <p:clrMapOvr>
+    <a:masterClrMapping/>
+  </p:clrMapOvr>
+</p:notes>
+</file>
+
+<file path=ppt/notesSlides/notesSlide7.xml><?xml version="1.0" encoding="utf-8"?>
+<p:notes xmlns:a="http://schemas.openxmlformats.org/drawingml/2006/main" xmlns:r="http://schemas.openxmlformats.org/officeDocument/2006/relationships" xmlns:p="http://schemas.openxmlformats.org/presentationml/2006/main">
+  <p:cSld>
+    <p:spTree>
+      <p:nvGrpSpPr>
+        <p:cNvPr id="1" name=""/>
+        <p:cNvGrpSpPr/>
+        <p:nvPr/>
+      </p:nvGrpSpPr>
+      <p:grpSpPr>
+        <a:xfrm>
+          <a:off x="0" y="0"/>
+          <a:ext cx="0" cy="0"/>
+          <a:chOff x="0" y="0"/>
+          <a:chExt cx="0" cy="0"/>
+        </a:xfrm>
+      </p:grpSpPr>
+      <p:sp>
+        <p:nvSpPr>
+          <p:cNvPr id="2" name="Slide Image Placeholder 1"/>
+          <p:cNvSpPr>
+            <a:spLocks noGrp="1" noRot="1" noChangeAspect="1"/>
+          </p:cNvSpPr>
+          <p:nvPr>
+            <p:ph type="sldImg"/>
+          </p:nvPr>
+        </p:nvSpPr>
+        <p:spPr/>
+      </p:sp>
+      <p:sp>
+        <p:nvSpPr>
+          <p:cNvPr id="3" name="Notes Placeholder 2"/>
+          <p:cNvSpPr>
+            <a:spLocks noGrp="1"/>
+          </p:cNvSpPr>
+          <p:nvPr>
+            <p:ph type="body" idx="1"/>
+          </p:nvPr>
+        </p:nvSpPr>
+        <p:spPr/>
+        <p:txBody>
+          <a:bodyPr>
+            <a:normAutofit/>
+          </a:bodyPr>
+          <a:lstStyle/>
+          <a:p>
             <a:endParaRPr lang="en-US" dirty="0"/>
           </a:p>
         </p:txBody>
@@ -919,7 +1297,7 @@
             <a:fld id="{58F8E9B4-7F8B-4A39-BDD6-3E957F5685AE}" type="slidenum">
               <a:rPr lang="en-US" smtClean="0"/>
               <a:pPr/>
-              <a:t>5</a:t>
+              <a:t>8</a:t>
             </a:fld>
             <a:endParaRPr lang="en-US"/>
           </a:p>
@@ -1115,7 +1493,7 @@
             <a:fld id="{4461C201-B220-4126-9404-8F8F914F652B}" type="datetimeFigureOut">
               <a:rPr lang="en-US" smtClean="0"/>
               <a:pPr/>
-              <a:t>6/17/2011</a:t>
+              <a:t>2/13/2012</a:t>
             </a:fld>
             <a:endParaRPr lang="en-US"/>
           </a:p>
@@ -1282,7 +1660,7 @@
             <a:fld id="{4461C201-B220-4126-9404-8F8F914F652B}" type="datetimeFigureOut">
               <a:rPr lang="en-US" smtClean="0"/>
               <a:pPr/>
-              <a:t>6/17/2011</a:t>
+              <a:t>2/13/2012</a:t>
             </a:fld>
             <a:endParaRPr lang="en-US"/>
           </a:p>
@@ -1459,7 +1837,7 @@
             <a:fld id="{4461C201-B220-4126-9404-8F8F914F652B}" type="datetimeFigureOut">
               <a:rPr lang="en-US" smtClean="0"/>
               <a:pPr/>
-              <a:t>6/17/2011</a:t>
+              <a:t>2/13/2012</a:t>
             </a:fld>
             <a:endParaRPr lang="en-US"/>
           </a:p>
@@ -1626,7 +2004,7 @@
             <a:fld id="{4461C201-B220-4126-9404-8F8F914F652B}" type="datetimeFigureOut">
               <a:rPr lang="en-US" smtClean="0"/>
               <a:pPr/>
-              <a:t>6/17/2011</a:t>
+              <a:t>2/13/2012</a:t>
             </a:fld>
             <a:endParaRPr lang="en-US"/>
           </a:p>
@@ -1869,7 +2247,7 @@
             <a:fld id="{4461C201-B220-4126-9404-8F8F914F652B}" type="datetimeFigureOut">
               <a:rPr lang="en-US" smtClean="0"/>
               <a:pPr/>
-              <a:t>6/17/2011</a:t>
+              <a:t>2/13/2012</a:t>
             </a:fld>
             <a:endParaRPr lang="en-US"/>
           </a:p>
@@ -2154,7 +2532,7 @@
             <a:fld id="{4461C201-B220-4126-9404-8F8F914F652B}" type="datetimeFigureOut">
               <a:rPr lang="en-US" smtClean="0"/>
               <a:pPr/>
-              <a:t>6/17/2011</a:t>
+              <a:t>2/13/2012</a:t>
             </a:fld>
             <a:endParaRPr lang="en-US"/>
           </a:p>
@@ -2573,7 +2951,7 @@
             <a:fld id="{4461C201-B220-4126-9404-8F8F914F652B}" type="datetimeFigureOut">
               <a:rPr lang="en-US" smtClean="0"/>
               <a:pPr/>
-              <a:t>6/17/2011</a:t>
+              <a:t>2/13/2012</a:t>
             </a:fld>
             <a:endParaRPr lang="en-US"/>
           </a:p>
@@ -2688,7 +3066,7 @@
             <a:fld id="{4461C201-B220-4126-9404-8F8F914F652B}" type="datetimeFigureOut">
               <a:rPr lang="en-US" smtClean="0"/>
               <a:pPr/>
-              <a:t>6/17/2011</a:t>
+              <a:t>2/13/2012</a:t>
             </a:fld>
             <a:endParaRPr lang="en-US"/>
           </a:p>
@@ -2780,7 +3158,7 @@
             <a:fld id="{4461C201-B220-4126-9404-8F8F914F652B}" type="datetimeFigureOut">
               <a:rPr lang="en-US" smtClean="0"/>
               <a:pPr/>
-              <a:t>6/17/2011</a:t>
+              <a:t>2/13/2012</a:t>
             </a:fld>
             <a:endParaRPr lang="en-US"/>
           </a:p>
@@ -3054,7 +3432,7 @@
             <a:fld id="{4461C201-B220-4126-9404-8F8F914F652B}" type="datetimeFigureOut">
               <a:rPr lang="en-US" smtClean="0"/>
               <a:pPr/>
-              <a:t>6/17/2011</a:t>
+              <a:t>2/13/2012</a:t>
             </a:fld>
             <a:endParaRPr lang="en-US"/>
           </a:p>
@@ -3304,7 +3682,7 @@
             <a:fld id="{4461C201-B220-4126-9404-8F8F914F652B}" type="datetimeFigureOut">
               <a:rPr lang="en-US" smtClean="0"/>
               <a:pPr/>
-              <a:t>6/17/2011</a:t>
+              <a:t>2/13/2012</a:t>
             </a:fld>
             <a:endParaRPr lang="en-US"/>
           </a:p>
@@ -3514,7 +3892,7 @@
             <a:fld id="{4461C201-B220-4126-9404-8F8F914F652B}" type="datetimeFigureOut">
               <a:rPr lang="en-US" smtClean="0"/>
               <a:pPr/>
-              <a:t>6/17/2011</a:t>
+              <a:t>2/13/2012</a:t>
             </a:fld>
             <a:endParaRPr lang="en-US"/>
           </a:p>
@@ -3925,8 +4303,8 @@
         </p:nvSpPr>
         <p:spPr>
           <a:xfrm>
-            <a:off x="2133600" y="2743200"/>
-            <a:ext cx="2571345" cy="369332"/>
+            <a:off x="4868827" y="6248400"/>
+            <a:ext cx="4130746" cy="369332"/>
           </a:xfrm>
           <a:prstGeom prst="rect">
             <a:avLst/>
@@ -3941,7 +4319,11 @@
           <a:p>
             <a:r>
               <a:rPr lang="en-US" b="1" dirty="0" smtClean="0"/>
-              <a:t>Written by: Merlin Mann</a:t>
+              <a:t>Original content written </a:t>
+            </a:r>
+            <a:r>
+              <a:rPr lang="en-US" b="1" dirty="0" smtClean="0"/>
+              <a:t>by: Merlin Mann</a:t>
             </a:r>
             <a:endParaRPr lang="en-US" b="1" dirty="0"/>
           </a:p>
@@ -3956,7 +4338,7 @@
         <p:spPr>
           <a:xfrm>
             <a:off x="838200" y="1219200"/>
-            <a:ext cx="4239815" cy="1200329"/>
+            <a:ext cx="4907497" cy="1200329"/>
           </a:xfrm>
           <a:prstGeom prst="rect">
             <a:avLst/>
@@ -3970,7 +4352,11 @@
           <a:lstStyle/>
           <a:p>
             <a:r>
-              <a:rPr lang="en-US" sz="7200" b="1" dirty="0" smtClean="0"/>
+              <a:rPr lang="en-US" sz="7200" b="1" dirty="0" smtClean="0">
+                <a:latin typeface="Segoe UI" pitchFamily="34" charset="0"/>
+                <a:ea typeface="Segoe UI" pitchFamily="34" charset="0"/>
+                <a:cs typeface="Segoe UI" pitchFamily="34" charset="0"/>
+              </a:rPr>
               <a:t>Inbox Zero</a:t>
             </a:r>
           </a:p>
@@ -4000,14 +4386,16 @@
           <a:p>
             <a:r>
               <a:rPr lang="en-US" sz="2800" dirty="0" smtClean="0">
-                <a:latin typeface="Arial Black" pitchFamily="34" charset="0"/>
-                <a:cs typeface="Arial" pitchFamily="34" charset="0"/>
+                <a:latin typeface="Segoe UI" pitchFamily="34" charset="0"/>
+                <a:ea typeface="Segoe UI" pitchFamily="34" charset="0"/>
+                <a:cs typeface="Segoe UI" pitchFamily="34" charset="0"/>
               </a:rPr>
               <a:t>action-based email</a:t>
             </a:r>
             <a:endParaRPr lang="en-US" sz="2800" dirty="0">
-              <a:latin typeface="Arial Black" pitchFamily="34" charset="0"/>
-              <a:cs typeface="Arial" pitchFamily="34" charset="0"/>
+              <a:latin typeface="Segoe UI" pitchFamily="34" charset="0"/>
+              <a:ea typeface="Segoe UI" pitchFamily="34" charset="0"/>
+              <a:cs typeface="Segoe UI" pitchFamily="34" charset="0"/>
             </a:endParaRPr>
           </a:p>
         </p:txBody>
@@ -4028,6 +4416,198 @@
 </file>
 
 <file path=ppt/slides/slide10.xml><?xml version="1.0" encoding="utf-8"?>
+<p:sld xmlns:a="http://schemas.openxmlformats.org/drawingml/2006/main" xmlns:r="http://schemas.openxmlformats.org/officeDocument/2006/relationships" xmlns:p="http://schemas.openxmlformats.org/presentationml/2006/main">
+  <p:cSld>
+    <p:spTree>
+      <p:nvGrpSpPr>
+        <p:cNvPr id="1" name=""/>
+        <p:cNvGrpSpPr/>
+        <p:nvPr/>
+      </p:nvGrpSpPr>
+      <p:grpSpPr>
+        <a:xfrm>
+          <a:off x="0" y="0"/>
+          <a:ext cx="0" cy="0"/>
+          <a:chOff x="0" y="0"/>
+          <a:chExt cx="0" cy="0"/>
+        </a:xfrm>
+      </p:grpSpPr>
+      <p:pic>
+        <p:nvPicPr>
+          <p:cNvPr id="35843" name="Picture 3"/>
+          <p:cNvPicPr>
+            <a:picLocks noChangeAspect="1" noChangeArrowheads="1"/>
+          </p:cNvPicPr>
+          <p:nvPr/>
+        </p:nvPicPr>
+        <p:blipFill>
+          <a:blip r:embed="rId2" cstate="print"/>
+          <a:srcRect/>
+          <a:stretch>
+            <a:fillRect/>
+          </a:stretch>
+        </p:blipFill>
+        <p:spPr bwMode="auto">
+          <a:xfrm>
+            <a:off x="914399" y="685800"/>
+            <a:ext cx="7315201" cy="5486400"/>
+          </a:xfrm>
+          <a:prstGeom prst="rect">
+            <a:avLst/>
+          </a:prstGeom>
+          <a:noFill/>
+          <a:ln w="9525">
+            <a:noFill/>
+            <a:miter lim="800000"/>
+            <a:headEnd/>
+            <a:tailEnd/>
+          </a:ln>
+        </p:spPr>
+      </p:pic>
+    </p:spTree>
+  </p:cSld>
+  <p:clrMapOvr>
+    <a:masterClrMapping/>
+  </p:clrMapOvr>
+  <p:timing>
+    <p:tnLst>
+      <p:par>
+        <p:cTn id="1" dur="indefinite" restart="never" nodeType="tmRoot"/>
+      </p:par>
+    </p:tnLst>
+  </p:timing>
+</p:sld>
+</file>
+
+<file path=ppt/slides/slide11.xml><?xml version="1.0" encoding="utf-8"?>
+<p:sld xmlns:a="http://schemas.openxmlformats.org/drawingml/2006/main" xmlns:r="http://schemas.openxmlformats.org/officeDocument/2006/relationships" xmlns:p="http://schemas.openxmlformats.org/presentationml/2006/main">
+  <p:cSld>
+    <p:spTree>
+      <p:nvGrpSpPr>
+        <p:cNvPr id="1" name=""/>
+        <p:cNvGrpSpPr/>
+        <p:nvPr/>
+      </p:nvGrpSpPr>
+      <p:grpSpPr>
+        <a:xfrm>
+          <a:off x="0" y="0"/>
+          <a:ext cx="0" cy="0"/>
+          <a:chOff x="0" y="0"/>
+          <a:chExt cx="0" cy="0"/>
+        </a:xfrm>
+      </p:grpSpPr>
+      <p:pic>
+        <p:nvPicPr>
+          <p:cNvPr id="37890" name="Picture 2"/>
+          <p:cNvPicPr>
+            <a:picLocks noChangeAspect="1" noChangeArrowheads="1"/>
+          </p:cNvPicPr>
+          <p:nvPr/>
+        </p:nvPicPr>
+        <p:blipFill>
+          <a:blip r:embed="rId2" cstate="print"/>
+          <a:srcRect/>
+          <a:stretch>
+            <a:fillRect/>
+          </a:stretch>
+        </p:blipFill>
+        <p:spPr bwMode="auto">
+          <a:xfrm>
+            <a:off x="0" y="0"/>
+            <a:ext cx="9144000" cy="6858000"/>
+          </a:xfrm>
+          <a:prstGeom prst="rect">
+            <a:avLst/>
+          </a:prstGeom>
+          <a:noFill/>
+          <a:ln w="9525">
+            <a:noFill/>
+            <a:miter lim="800000"/>
+            <a:headEnd/>
+            <a:tailEnd/>
+          </a:ln>
+        </p:spPr>
+      </p:pic>
+    </p:spTree>
+  </p:cSld>
+  <p:clrMapOvr>
+    <a:masterClrMapping/>
+  </p:clrMapOvr>
+  <p:timing>
+    <p:tnLst>
+      <p:par>
+        <p:cTn id="1" dur="indefinite" restart="never" nodeType="tmRoot"/>
+      </p:par>
+    </p:tnLst>
+  </p:timing>
+</p:sld>
+</file>
+
+<file path=ppt/slides/slide12.xml><?xml version="1.0" encoding="utf-8"?>
+<p:sld xmlns:a="http://schemas.openxmlformats.org/drawingml/2006/main" xmlns:r="http://schemas.openxmlformats.org/officeDocument/2006/relationships" xmlns:p="http://schemas.openxmlformats.org/presentationml/2006/main">
+  <p:cSld>
+    <p:spTree>
+      <p:nvGrpSpPr>
+        <p:cNvPr id="1" name=""/>
+        <p:cNvGrpSpPr/>
+        <p:nvPr/>
+      </p:nvGrpSpPr>
+      <p:grpSpPr>
+        <a:xfrm>
+          <a:off x="0" y="0"/>
+          <a:ext cx="0" cy="0"/>
+          <a:chOff x="0" y="0"/>
+          <a:chExt cx="0" cy="0"/>
+        </a:xfrm>
+      </p:grpSpPr>
+      <p:pic>
+        <p:nvPicPr>
+          <p:cNvPr id="27650" name="Picture 2"/>
+          <p:cNvPicPr>
+            <a:picLocks noChangeAspect="1" noChangeArrowheads="1"/>
+          </p:cNvPicPr>
+          <p:nvPr/>
+        </p:nvPicPr>
+        <p:blipFill>
+          <a:blip r:embed="rId2" cstate="print"/>
+          <a:srcRect/>
+          <a:stretch>
+            <a:fillRect/>
+          </a:stretch>
+        </p:blipFill>
+        <p:spPr bwMode="auto">
+          <a:xfrm>
+            <a:off x="1762125" y="728663"/>
+            <a:ext cx="5619750" cy="5400675"/>
+          </a:xfrm>
+          <a:prstGeom prst="rect">
+            <a:avLst/>
+          </a:prstGeom>
+          <a:noFill/>
+          <a:ln w="9525">
+            <a:noFill/>
+            <a:miter lim="800000"/>
+            <a:headEnd/>
+            <a:tailEnd/>
+          </a:ln>
+        </p:spPr>
+      </p:pic>
+    </p:spTree>
+  </p:cSld>
+  <p:clrMapOvr>
+    <a:masterClrMapping/>
+  </p:clrMapOvr>
+  <p:timing>
+    <p:tnLst>
+      <p:par>
+        <p:cTn id="1" dur="indefinite" restart="never" nodeType="tmRoot"/>
+      </p:par>
+    </p:tnLst>
+  </p:timing>
+</p:sld>
+</file>
+
+<file path=ppt/slides/slide13.xml><?xml version="1.0" encoding="utf-8"?>
 <p:sld xmlns:a="http://schemas.openxmlformats.org/drawingml/2006/main" xmlns:r="http://schemas.openxmlformats.org/officeDocument/2006/relationships" xmlns:p="http://schemas.openxmlformats.org/presentationml/2006/main" show="0">
   <p:cSld>
     <p:spTree>
@@ -4092,7 +4672,7 @@
 </p:sld>
 </file>
 
-<file path=ppt/slides/slide11.xml><?xml version="1.0" encoding="utf-8"?>
+<file path=ppt/slides/slide14.xml><?xml version="1.0" encoding="utf-8"?>
 <p:sld xmlns:a="http://schemas.openxmlformats.org/drawingml/2006/main" xmlns:r="http://schemas.openxmlformats.org/officeDocument/2006/relationships" xmlns:p="http://schemas.openxmlformats.org/presentationml/2006/main" show="0">
   <p:cSld>
     <p:spTree>
@@ -4157,7 +4737,7 @@
 </p:sld>
 </file>
 
-<file path=ppt/slides/slide12.xml><?xml version="1.0" encoding="utf-8"?>
+<file path=ppt/slides/slide15.xml><?xml version="1.0" encoding="utf-8"?>
 <p:sld xmlns:a="http://schemas.openxmlformats.org/drawingml/2006/main" xmlns:r="http://schemas.openxmlformats.org/officeDocument/2006/relationships" xmlns:p="http://schemas.openxmlformats.org/presentationml/2006/main" show="0">
   <p:cSld>
     <p:spTree>
@@ -4222,7 +4802,7 @@
 </p:sld>
 </file>
 
-<file path=ppt/slides/slide13.xml><?xml version="1.0" encoding="utf-8"?>
+<file path=ppt/slides/slide16.xml><?xml version="1.0" encoding="utf-8"?>
 <p:sld xmlns:a="http://schemas.openxmlformats.org/drawingml/2006/main" xmlns:r="http://schemas.openxmlformats.org/officeDocument/2006/relationships" xmlns:p="http://schemas.openxmlformats.org/presentationml/2006/main" show="0">
   <p:cSld>
     <p:spTree>
@@ -4287,7 +4867,7 @@
 </p:sld>
 </file>
 
-<file path=ppt/slides/slide14.xml><?xml version="1.0" encoding="utf-8"?>
+<file path=ppt/slides/slide17.xml><?xml version="1.0" encoding="utf-8"?>
 <p:sld xmlns:a="http://schemas.openxmlformats.org/drawingml/2006/main" xmlns:r="http://schemas.openxmlformats.org/officeDocument/2006/relationships" xmlns:p="http://schemas.openxmlformats.org/presentationml/2006/main" show="0">
   <p:cSld>
     <p:spTree>
@@ -4352,7 +4932,7 @@
 </p:sld>
 </file>
 
-<file path=ppt/slides/slide15.xml><?xml version="1.0" encoding="utf-8"?>
+<file path=ppt/slides/slide18.xml><?xml version="1.0" encoding="utf-8"?>
 <p:sld xmlns:a="http://schemas.openxmlformats.org/drawingml/2006/main" xmlns:r="http://schemas.openxmlformats.org/officeDocument/2006/relationships" xmlns:p="http://schemas.openxmlformats.org/presentationml/2006/main" show="0">
   <p:cSld>
     <p:spTree>
@@ -4533,6 +5113,79 @@
       </p:grpSpPr>
       <p:pic>
         <p:nvPicPr>
+          <p:cNvPr id="1026" name="Picture 2" descr="http://pocketcultures.com/topicsoftheworld/files/2010/07/bw-tokyo-hug.jpg"/>
+          <p:cNvPicPr>
+            <a:picLocks noChangeAspect="1" noChangeArrowheads="1"/>
+          </p:cNvPicPr>
+          <p:nvPr/>
+        </p:nvPicPr>
+        <p:blipFill>
+          <a:blip r:embed="rId3">
+            <a:extLst>
+              <a:ext uri="{28A0092B-C50C-407E-A947-70E740481C1C}">
+                <a14:useLocalDpi xmlns:a14="http://schemas.microsoft.com/office/drawing/2010/main" val="0"/>
+              </a:ext>
+            </a:extLst>
+          </a:blip>
+          <a:srcRect/>
+          <a:stretch>
+            <a:fillRect/>
+          </a:stretch>
+        </p:blipFill>
+        <p:spPr bwMode="auto">
+          <a:xfrm>
+            <a:off x="-7620" y="0"/>
+            <a:ext cx="9153150" cy="6858000"/>
+          </a:xfrm>
+          <a:prstGeom prst="rect">
+            <a:avLst/>
+          </a:prstGeom>
+          <a:noFill/>
+          <a:extLst>
+            <a:ext uri="{909E8E84-426E-40DD-AFC4-6F175D3DCCD1}">
+              <a14:hiddenFill xmlns:a14="http://schemas.microsoft.com/office/drawing/2010/main">
+                <a:solidFill>
+                  <a:srgbClr val="FFFFFF"/>
+                </a:solidFill>
+              </a14:hiddenFill>
+            </a:ext>
+          </a:extLst>
+        </p:spPr>
+      </p:pic>
+    </p:spTree>
+  </p:cSld>
+  <p:clrMapOvr>
+    <a:masterClrMapping/>
+  </p:clrMapOvr>
+  <p:timing>
+    <p:tnLst>
+      <p:par>
+        <p:cTn id="1" dur="indefinite" restart="never" nodeType="tmRoot"/>
+      </p:par>
+    </p:tnLst>
+  </p:timing>
+</p:sld>
+</file>
+
+<file path=ppt/slides/slide4.xml><?xml version="1.0" encoding="utf-8"?>
+<p:sld xmlns:a="http://schemas.openxmlformats.org/drawingml/2006/main" xmlns:r="http://schemas.openxmlformats.org/officeDocument/2006/relationships" xmlns:p="http://schemas.openxmlformats.org/presentationml/2006/main" show="0">
+  <p:cSld>
+    <p:spTree>
+      <p:nvGrpSpPr>
+        <p:cNvPr id="1" name=""/>
+        <p:cNvGrpSpPr/>
+        <p:nvPr/>
+      </p:nvGrpSpPr>
+      <p:grpSpPr>
+        <a:xfrm>
+          <a:off x="0" y="0"/>
+          <a:ext cx="0" cy="0"/>
+          <a:chOff x="0" y="0"/>
+          <a:chExt cx="0" cy="0"/>
+        </a:xfrm>
+      </p:grpSpPr>
+      <p:pic>
+        <p:nvPicPr>
           <p:cNvPr id="38914" name="Picture 2" descr="http://www.macwallpapers.eu/bulkupload/Animals/sqe/Squirrels/Squirrel%20Party%20Like%20a%20Rock%20Star%20on%20Mac%20Pics.jpg"/>
           <p:cNvPicPr>
             <a:picLocks noChangeAspect="1" noChangeArrowheads="1"/>
@@ -4558,6 +5211,153 @@
         </p:spPr>
       </p:pic>
     </p:spTree>
+    <p:extLst>
+      <p:ext uri="{BB962C8B-B14F-4D97-AF65-F5344CB8AC3E}">
+        <p14:creationId xmlns:p14="http://schemas.microsoft.com/office/powerpoint/2010/main" val="4069315018"/>
+      </p:ext>
+    </p:extLst>
+  </p:cSld>
+  <p:clrMapOvr>
+    <a:masterClrMapping/>
+  </p:clrMapOvr>
+  <mc:AlternateContent xmlns:mc="http://schemas.openxmlformats.org/markup-compatibility/2006">
+    <mc:Choice xmlns:p14="http://schemas.microsoft.com/office/powerpoint/2010/main" Requires="p14">
+      <p:transition spd="slow" p14:dur="2000"/>
+    </mc:Choice>
+    <mc:Fallback>
+      <p:transition spd="slow"/>
+    </mc:Fallback>
+  </mc:AlternateContent>
+  <p:timing>
+    <p:tnLst>
+      <p:par>
+        <p:cTn id="1" dur="indefinite" restart="never" nodeType="tmRoot"/>
+      </p:par>
+    </p:tnLst>
+  </p:timing>
+</p:sld>
+</file>
+
+<file path=ppt/slides/slide5.xml><?xml version="1.0" encoding="utf-8"?>
+<p:sld xmlns:a="http://schemas.openxmlformats.org/drawingml/2006/main" xmlns:r="http://schemas.openxmlformats.org/officeDocument/2006/relationships" xmlns:p="http://schemas.openxmlformats.org/presentationml/2006/main">
+  <p:cSld>
+    <p:spTree>
+      <p:nvGrpSpPr>
+        <p:cNvPr id="1" name=""/>
+        <p:cNvGrpSpPr/>
+        <p:nvPr/>
+      </p:nvGrpSpPr>
+      <p:grpSpPr>
+        <a:xfrm>
+          <a:off x="0" y="0"/>
+          <a:ext cx="0" cy="0"/>
+          <a:chOff x="0" y="0"/>
+          <a:chExt cx="0" cy="0"/>
+        </a:xfrm>
+      </p:grpSpPr>
+      <p:pic>
+        <p:nvPicPr>
+          <p:cNvPr id="44034" name="Picture 2" descr="http://shrinkthecamel.files.wordpress.com/2009/11/girl-screaming.jpg"/>
+          <p:cNvPicPr>
+            <a:picLocks noChangeAspect="1" noChangeArrowheads="1"/>
+          </p:cNvPicPr>
+          <p:nvPr/>
+        </p:nvPicPr>
+        <p:blipFill>
+          <a:blip r:embed="rId3" cstate="print"/>
+          <a:stretch>
+            <a:fillRect/>
+          </a:stretch>
+        </p:blipFill>
+        <p:spPr bwMode="auto">
+          <a:xfrm>
+            <a:off x="457200" y="1175776"/>
+            <a:ext cx="8534400" cy="5682224"/>
+          </a:xfrm>
+          <a:prstGeom prst="rect">
+            <a:avLst/>
+          </a:prstGeom>
+          <a:noFill/>
+          <a:ln>
+            <a:noFill/>
+          </a:ln>
+        </p:spPr>
+      </p:pic>
+    </p:spTree>
+  </p:cSld>
+  <p:clrMapOvr>
+    <a:masterClrMapping/>
+  </p:clrMapOvr>
+  <p:transition/>
+  <p:timing>
+    <p:tnLst>
+      <p:par>
+        <p:cTn id="1" dur="indefinite" restart="never" nodeType="tmRoot"/>
+      </p:par>
+    </p:tnLst>
+  </p:timing>
+</p:sld>
+</file>
+
+<file path=ppt/slides/slide6.xml><?xml version="1.0" encoding="utf-8"?>
+<p:sld xmlns:a="http://schemas.openxmlformats.org/drawingml/2006/main" xmlns:r="http://schemas.openxmlformats.org/officeDocument/2006/relationships" xmlns:p="http://schemas.openxmlformats.org/presentationml/2006/main">
+  <p:cSld>
+    <p:spTree>
+      <p:nvGrpSpPr>
+        <p:cNvPr id="1" name=""/>
+        <p:cNvGrpSpPr/>
+        <p:nvPr/>
+      </p:nvGrpSpPr>
+      <p:grpSpPr>
+        <a:xfrm>
+          <a:off x="0" y="0"/>
+          <a:ext cx="0" cy="0"/>
+          <a:chOff x="0" y="0"/>
+          <a:chExt cx="0" cy="0"/>
+        </a:xfrm>
+      </p:grpSpPr>
+      <p:pic>
+        <p:nvPicPr>
+          <p:cNvPr id="2050" name="Picture 2" descr="http://www.paladium.net/00g/usps_AmericanPostOfficeMailClerkSortingMailOnATrain_8b14713r.jpg"/>
+          <p:cNvPicPr>
+            <a:picLocks noChangeAspect="1" noChangeArrowheads="1"/>
+          </p:cNvPicPr>
+          <p:nvPr/>
+        </p:nvPicPr>
+        <p:blipFill>
+          <a:blip r:embed="rId3">
+            <a:extLst>
+              <a:ext uri="{28A0092B-C50C-407E-A947-70E740481C1C}">
+                <a14:useLocalDpi xmlns:a14="http://schemas.microsoft.com/office/drawing/2010/main" val="0"/>
+              </a:ext>
+            </a:extLst>
+          </a:blip>
+          <a:srcRect/>
+          <a:stretch>
+            <a:fillRect/>
+          </a:stretch>
+        </p:blipFill>
+        <p:spPr bwMode="auto">
+          <a:xfrm>
+            <a:off x="0" y="0"/>
+            <a:ext cx="9144608" cy="6858000"/>
+          </a:xfrm>
+          <a:prstGeom prst="rect">
+            <a:avLst/>
+          </a:prstGeom>
+          <a:noFill/>
+          <a:extLst>
+            <a:ext uri="{909E8E84-426E-40DD-AFC4-6F175D3DCCD1}">
+              <a14:hiddenFill xmlns:a14="http://schemas.microsoft.com/office/drawing/2010/main">
+                <a:solidFill>
+                  <a:srgbClr val="FFFFFF"/>
+                </a:solidFill>
+              </a14:hiddenFill>
+            </a:ext>
+          </a:extLst>
+        </p:spPr>
+      </p:pic>
+    </p:spTree>
   </p:cSld>
   <p:clrMapOvr>
     <a:masterClrMapping/>
@@ -4572,8 +5372,8 @@
 </p:sld>
 </file>
 
-<file path=ppt/slides/slide4.xml><?xml version="1.0" encoding="utf-8"?>
-<p:sld xmlns:a="http://schemas.openxmlformats.org/drawingml/2006/main" xmlns:r="http://schemas.openxmlformats.org/officeDocument/2006/relationships" xmlns:p="http://schemas.openxmlformats.org/presentationml/2006/main">
+<file path=ppt/slides/slide7.xml><?xml version="1.0" encoding="utf-8"?>
+<p:sld xmlns:a="http://schemas.openxmlformats.org/drawingml/2006/main" xmlns:r="http://schemas.openxmlformats.org/officeDocument/2006/relationships" xmlns:p="http://schemas.openxmlformats.org/presentationml/2006/main" show="0">
   <p:cSld>
     <p:spTree>
       <p:nvGrpSpPr>
@@ -4616,10 +5416,23 @@
         </p:spPr>
       </p:pic>
     </p:spTree>
+    <p:extLst>
+      <p:ext uri="{BB962C8B-B14F-4D97-AF65-F5344CB8AC3E}">
+        <p14:creationId xmlns:p14="http://schemas.microsoft.com/office/powerpoint/2010/main" val="80778603"/>
+      </p:ext>
+    </p:extLst>
   </p:cSld>
   <p:clrMapOvr>
     <a:masterClrMapping/>
   </p:clrMapOvr>
+  <mc:AlternateContent xmlns:mc="http://schemas.openxmlformats.org/markup-compatibility/2006">
+    <mc:Choice xmlns:p14="http://schemas.microsoft.com/office/powerpoint/2010/main" Requires="p14">
+      <p:transition spd="slow" p14:dur="2000"/>
+    </mc:Choice>
+    <mc:Fallback>
+      <p:transition spd="slow"/>
+    </mc:Fallback>
+  </mc:AlternateContent>
   <p:timing>
     <p:tnLst>
       <p:par>
@@ -4630,7 +5443,7 @@
 </p:sld>
 </file>
 
-<file path=ppt/slides/slide5.xml><?xml version="1.0" encoding="utf-8"?>
+<file path=ppt/slides/slide8.xml><?xml version="1.0" encoding="utf-8"?>
 <p:sld xmlns:a="http://schemas.openxmlformats.org/drawingml/2006/main" xmlns:r="http://schemas.openxmlformats.org/officeDocument/2006/relationships" xmlns:p="http://schemas.openxmlformats.org/presentationml/2006/main" show="0">
   <p:cSld>
     <p:spTree>
@@ -4689,188 +5502,6 @@
 </p:sld>
 </file>
 
-<file path=ppt/slides/slide6.xml><?xml version="1.0" encoding="utf-8"?>
-<p:sld xmlns:a="http://schemas.openxmlformats.org/drawingml/2006/main" xmlns:r="http://schemas.openxmlformats.org/officeDocument/2006/relationships" xmlns:p="http://schemas.openxmlformats.org/presentationml/2006/main" show="0">
-  <p:cSld>
-    <p:spTree>
-      <p:nvGrpSpPr>
-        <p:cNvPr id="1" name=""/>
-        <p:cNvGrpSpPr/>
-        <p:nvPr/>
-      </p:nvGrpSpPr>
-      <p:grpSpPr>
-        <a:xfrm>
-          <a:off x="0" y="0"/>
-          <a:ext cx="0" cy="0"/>
-          <a:chOff x="0" y="0"/>
-          <a:chExt cx="0" cy="0"/>
-        </a:xfrm>
-      </p:grpSpPr>
-      <p:pic>
-        <p:nvPicPr>
-          <p:cNvPr id="44034" name="Picture 2" descr="http://shrinkthecamel.files.wordpress.com/2009/11/girl-screaming.jpg"/>
-          <p:cNvPicPr>
-            <a:picLocks noChangeAspect="1" noChangeArrowheads="1"/>
-          </p:cNvPicPr>
-          <p:nvPr/>
-        </p:nvPicPr>
-        <p:blipFill>
-          <a:blip r:embed="rId2" cstate="print"/>
-          <a:stretch>
-            <a:fillRect/>
-          </a:stretch>
-        </p:blipFill>
-        <p:spPr bwMode="auto">
-          <a:xfrm>
-            <a:off x="304800" y="1175776"/>
-            <a:ext cx="8534400" cy="5682224"/>
-          </a:xfrm>
-          <a:prstGeom prst="rect">
-            <a:avLst/>
-          </a:prstGeom>
-          <a:noFill/>
-          <a:ln>
-            <a:noFill/>
-          </a:ln>
-        </p:spPr>
-      </p:pic>
-    </p:spTree>
-  </p:cSld>
-  <p:clrMapOvr>
-    <a:masterClrMapping/>
-  </p:clrMapOvr>
-  <p:transition/>
-</p:sld>
-</file>
-
-<file path=ppt/slides/slide7.xml><?xml version="1.0" encoding="utf-8"?>
-<p:sld xmlns:a="http://schemas.openxmlformats.org/drawingml/2006/main" xmlns:r="http://schemas.openxmlformats.org/officeDocument/2006/relationships" xmlns:p="http://schemas.openxmlformats.org/presentationml/2006/main">
-  <p:cSld>
-    <p:spTree>
-      <p:nvGrpSpPr>
-        <p:cNvPr id="1" name=""/>
-        <p:cNvGrpSpPr/>
-        <p:nvPr/>
-      </p:nvGrpSpPr>
-      <p:grpSpPr>
-        <a:xfrm>
-          <a:off x="0" y="0"/>
-          <a:ext cx="0" cy="0"/>
-          <a:chOff x="0" y="0"/>
-          <a:chExt cx="0" cy="0"/>
-        </a:xfrm>
-      </p:grpSpPr>
-      <p:pic>
-        <p:nvPicPr>
-          <p:cNvPr id="35843" name="Picture 3"/>
-          <p:cNvPicPr>
-            <a:picLocks noChangeAspect="1" noChangeArrowheads="1"/>
-          </p:cNvPicPr>
-          <p:nvPr/>
-        </p:nvPicPr>
-        <p:blipFill>
-          <a:blip r:embed="rId2" cstate="print"/>
-          <a:srcRect/>
-          <a:stretch>
-            <a:fillRect/>
-          </a:stretch>
-        </p:blipFill>
-        <p:spPr bwMode="auto">
-          <a:xfrm>
-            <a:off x="914399" y="685800"/>
-            <a:ext cx="7315201" cy="5486400"/>
-          </a:xfrm>
-          <a:prstGeom prst="rect">
-            <a:avLst/>
-          </a:prstGeom>
-          <a:noFill/>
-          <a:ln w="9525">
-            <a:noFill/>
-            <a:miter lim="800000"/>
-            <a:headEnd/>
-            <a:tailEnd/>
-          </a:ln>
-        </p:spPr>
-      </p:pic>
-    </p:spTree>
-  </p:cSld>
-  <p:clrMapOvr>
-    <a:masterClrMapping/>
-  </p:clrMapOvr>
-  <p:timing>
-    <p:tnLst>
-      <p:par>
-        <p:cTn id="1" dur="indefinite" restart="never" nodeType="tmRoot"/>
-      </p:par>
-    </p:tnLst>
-  </p:timing>
-</p:sld>
-</file>
-
-<file path=ppt/slides/slide8.xml><?xml version="1.0" encoding="utf-8"?>
-<p:sld xmlns:a="http://schemas.openxmlformats.org/drawingml/2006/main" xmlns:r="http://schemas.openxmlformats.org/officeDocument/2006/relationships" xmlns:p="http://schemas.openxmlformats.org/presentationml/2006/main">
-  <p:cSld>
-    <p:spTree>
-      <p:nvGrpSpPr>
-        <p:cNvPr id="1" name=""/>
-        <p:cNvGrpSpPr/>
-        <p:nvPr/>
-      </p:nvGrpSpPr>
-      <p:grpSpPr>
-        <a:xfrm>
-          <a:off x="0" y="0"/>
-          <a:ext cx="0" cy="0"/>
-          <a:chOff x="0" y="0"/>
-          <a:chExt cx="0" cy="0"/>
-        </a:xfrm>
-      </p:grpSpPr>
-      <p:pic>
-        <p:nvPicPr>
-          <p:cNvPr id="37890" name="Picture 2"/>
-          <p:cNvPicPr>
-            <a:picLocks noChangeAspect="1" noChangeArrowheads="1"/>
-          </p:cNvPicPr>
-          <p:nvPr/>
-        </p:nvPicPr>
-        <p:blipFill>
-          <a:blip r:embed="rId2" cstate="print"/>
-          <a:srcRect/>
-          <a:stretch>
-            <a:fillRect/>
-          </a:stretch>
-        </p:blipFill>
-        <p:spPr bwMode="auto">
-          <a:xfrm>
-            <a:off x="0" y="0"/>
-            <a:ext cx="9144000" cy="6858000"/>
-          </a:xfrm>
-          <a:prstGeom prst="rect">
-            <a:avLst/>
-          </a:prstGeom>
-          <a:noFill/>
-          <a:ln w="9525">
-            <a:noFill/>
-            <a:miter lim="800000"/>
-            <a:headEnd/>
-            <a:tailEnd/>
-          </a:ln>
-        </p:spPr>
-      </p:pic>
-    </p:spTree>
-  </p:cSld>
-  <p:clrMapOvr>
-    <a:masterClrMapping/>
-  </p:clrMapOvr>
-  <p:timing>
-    <p:tnLst>
-      <p:par>
-        <p:cTn id="1" dur="indefinite" restart="never" nodeType="tmRoot"/>
-      </p:par>
-    </p:tnLst>
-  </p:timing>
-</p:sld>
-</file>
-
 <file path=ppt/slides/slide9.xml><?xml version="1.0" encoding="utf-8"?>
 <p:sld xmlns:a="http://schemas.openxmlformats.org/drawingml/2006/main" xmlns:r="http://schemas.openxmlformats.org/officeDocument/2006/relationships" xmlns:p="http://schemas.openxmlformats.org/presentationml/2006/main">
   <p:cSld>
@@ -4890,14 +5521,20 @@
       </p:grpSpPr>
       <p:pic>
         <p:nvPicPr>
-          <p:cNvPr id="27650" name="Picture 2"/>
+          <p:cNvPr id="3074" name="Picture 2" descr="http://www.ytn.org/images/processing.gif"/>
           <p:cNvPicPr>
-            <a:picLocks noChangeAspect="1" noChangeArrowheads="1"/>
+            <a:picLocks noChangeAspect="1" noChangeArrowheads="1" noCrop="1"/>
           </p:cNvPicPr>
           <p:nvPr/>
         </p:nvPicPr>
         <p:blipFill>
-          <a:blip r:embed="rId2" cstate="print"/>
+          <a:blip r:embed="rId2">
+            <a:extLst>
+              <a:ext uri="{28A0092B-C50C-407E-A947-70E740481C1C}">
+                <a14:useLocalDpi xmlns:a14="http://schemas.microsoft.com/office/drawing/2010/main" val="0"/>
+              </a:ext>
+            </a:extLst>
+          </a:blip>
           <a:srcRect/>
           <a:stretch>
             <a:fillRect/>
@@ -4905,22 +5542,30 @@
         </p:blipFill>
         <p:spPr bwMode="auto">
           <a:xfrm>
-            <a:off x="1762125" y="728663"/>
-            <a:ext cx="5619750" cy="5400675"/>
+            <a:off x="3581400" y="2362200"/>
+            <a:ext cx="1905000" cy="1905000"/>
           </a:xfrm>
           <a:prstGeom prst="rect">
             <a:avLst/>
           </a:prstGeom>
           <a:noFill/>
-          <a:ln w="9525">
-            <a:noFill/>
-            <a:miter lim="800000"/>
-            <a:headEnd/>
-            <a:tailEnd/>
-          </a:ln>
+          <a:extLst>
+            <a:ext uri="{909E8E84-426E-40DD-AFC4-6F175D3DCCD1}">
+              <a14:hiddenFill xmlns:a14="http://schemas.microsoft.com/office/drawing/2010/main">
+                <a:solidFill>
+                  <a:srgbClr val="FFFFFF"/>
+                </a:solidFill>
+              </a14:hiddenFill>
+            </a:ext>
+          </a:extLst>
         </p:spPr>
       </p:pic>
     </p:spTree>
+    <p:extLst>
+      <p:ext uri="{BB962C8B-B14F-4D97-AF65-F5344CB8AC3E}">
+        <p14:creationId xmlns:p14="http://schemas.microsoft.com/office/powerpoint/2010/main" val="1609463367"/>
+      </p:ext>
+    </p:extLst>
   </p:cSld>
   <p:clrMapOvr>
     <a:masterClrMapping/>
